--- a/ExampleinOilIndustry/WorkFlow.pptx
+++ b/ExampleinOilIndustry/WorkFlow.pptx
@@ -110,32 +110,6 @@
     </p:ext>
   </p:extLst>
 </p:presentation>
-</file>
-
-<file path=ppt/commentAuthors.xml><?xml version="1.0" encoding="utf-8"?>
-<p:cmAuthorLst xmlns:a="http://schemas.openxmlformats.org/drawingml/2006/main" xmlns:r="http://schemas.openxmlformats.org/officeDocument/2006/relationships" xmlns:p="http://schemas.openxmlformats.org/presentationml/2006/main">
-  <p:cmAuthor id="1" name="Nazanin Jahani" initials="NJ" lastIdx="1" clrIdx="0">
-    <p:extLst>
-      <p:ext uri="{19B8F6BF-5375-455C-9EA6-DF929625EA0E}">
-        <p15:presenceInfo xmlns:p15="http://schemas.microsoft.com/office/powerpoint/2012/main" userId="Nazanin Jahani" providerId="None"/>
-      </p:ext>
-    </p:extLst>
-  </p:cmAuthor>
-</p:cmAuthorLst>
-</file>
-
-<file path=ppt/comments/comment1.xml><?xml version="1.0" encoding="utf-8"?>
-<p:cmLst xmlns:a="http://schemas.openxmlformats.org/drawingml/2006/main" xmlns:r="http://schemas.openxmlformats.org/officeDocument/2006/relationships" xmlns:p="http://schemas.openxmlformats.org/presentationml/2006/main">
-  <p:cm authorId="1" dt="2019-08-14T14:33:55.449" idx="1">
-    <p:pos x="10" y="10"/>
-    <p:text/>
-    <p:extLst>
-      <p:ext uri="{C676402C-5697-4E1C-873F-D02D1690AC5C}">
-        <p15:threadingInfo xmlns:p15="http://schemas.microsoft.com/office/powerpoint/2012/main" timeZoneBias="-120"/>
-      </p:ext>
-    </p:extLst>
-  </p:cm>
-</p:cmLst>
 </file>
 
 <file path=ppt/slideLayouts/slideLayout1.xml><?xml version="1.0" encoding="utf-8"?>
@@ -3368,7 +3342,7 @@
         </p:nvSpPr>
         <p:spPr bwMode="auto">
           <a:xfrm>
-            <a:off x="8596627" y="2842024"/>
+            <a:off x="8604791" y="2319515"/>
             <a:ext cx="1792605" cy="419100"/>
           </a:xfrm>
           <a:prstGeom prst="rect">
@@ -3429,7 +3403,7 @@
         </p:nvSpPr>
         <p:spPr bwMode="auto">
           <a:xfrm>
-            <a:off x="8428709" y="4302467"/>
+            <a:off x="8436873" y="3779958"/>
             <a:ext cx="1792605" cy="419100"/>
           </a:xfrm>
           <a:prstGeom prst="rect">
@@ -3490,7 +3464,7 @@
         </p:nvSpPr>
         <p:spPr bwMode="auto">
           <a:xfrm>
-            <a:off x="10343383" y="2346962"/>
+            <a:off x="10351547" y="1824453"/>
             <a:ext cx="1792605" cy="419100"/>
           </a:xfrm>
           <a:prstGeom prst="rect">
@@ -3549,8 +3523,8 @@
         </p:nvSpPr>
         <p:spPr>
           <a:xfrm>
-            <a:off x="1848618" y="1402672"/>
-            <a:ext cx="1575707" cy="742950"/>
+            <a:off x="1848618" y="1500646"/>
+            <a:ext cx="1575707" cy="817572"/>
           </a:xfrm>
           <a:prstGeom prst="rect">
             <a:avLst/>
@@ -3592,6 +3566,17 @@
               <a:t>2)Flow rate measurements from sensors</a:t>
             </a:r>
           </a:p>
+          <a:p>
+            <a:pPr algn="ctr"/>
+            <a:r>
+              <a:rPr lang="en-US" sz="1400" dirty="0">
+                <a:solidFill>
+                  <a:srgbClr val="7030A0"/>
+                </a:solidFill>
+              </a:rPr>
+              <a:t>-write #m5</a:t>
+            </a:r>
+          </a:p>
         </p:txBody>
       </p:sp>
       <p:sp>
@@ -3608,8 +3593,8 @@
         </p:nvSpPr>
         <p:spPr>
           <a:xfrm>
-            <a:off x="2181418" y="3972850"/>
-            <a:ext cx="1766971" cy="914400"/>
+            <a:off x="2181418" y="4070824"/>
+            <a:ext cx="1476965" cy="914400"/>
           </a:xfrm>
           <a:prstGeom prst="rect">
             <a:avLst/>
@@ -3649,7 +3634,7 @@
           <a:p>
             <a:pPr algn="ctr"/>
             <a:r>
-              <a:rPr lang="en-US" sz="1400" dirty="0">
+              <a:rPr lang="en-US" sz="1200" dirty="0">
                 <a:solidFill>
                   <a:schemeClr val="tx1"/>
                 </a:solidFill>
@@ -3657,12 +3642,31 @@
               <a:t>1)Calculated flow rate(algorithm steady) by </a:t>
             </a:r>
             <a:r>
-              <a:rPr lang="en-US" sz="1400" u="sng" dirty="0">
+              <a:rPr lang="en-US" sz="1200" u="sng" dirty="0">
                 <a:solidFill>
                   <a:schemeClr val="tx1"/>
                 </a:solidFill>
               </a:rPr>
-              <a:t>task 1 </a:t>
+              <a:t>task 1</a:t>
+            </a:r>
+            <a:r>
+              <a:rPr lang="en-US" sz="1600" u="sng" dirty="0">
+                <a:solidFill>
+                  <a:schemeClr val="tx1"/>
+                </a:solidFill>
+              </a:rPr>
+              <a:t> </a:t>
+            </a:r>
+          </a:p>
+          <a:p>
+            <a:pPr algn="ctr"/>
+            <a:r>
+              <a:rPr lang="en-US" sz="1400" dirty="0">
+                <a:solidFill>
+                  <a:srgbClr val="7030A0"/>
+                </a:solidFill>
+              </a:rPr>
+              <a:t>-write into #m6 </a:t>
             </a:r>
           </a:p>
         </p:txBody>
@@ -3681,8 +3685,8 @@
         </p:nvSpPr>
         <p:spPr>
           <a:xfrm>
-            <a:off x="4604659" y="1491939"/>
-            <a:ext cx="1268863" cy="1367288"/>
+            <a:off x="4604659" y="1589913"/>
+            <a:ext cx="1268863" cy="1022460"/>
           </a:xfrm>
           <a:prstGeom prst="rect">
             <a:avLst/>
@@ -3716,7 +3720,7 @@
           <a:p>
             <a:pPr algn="ctr"/>
             <a:r>
-              <a:rPr lang="en-US" sz="1400" dirty="0">
+              <a:rPr lang="en-US" sz="1200" dirty="0">
                 <a:solidFill>
                   <a:schemeClr val="tx1"/>
                 </a:solidFill>
@@ -3724,6 +3728,25 @@
               <a:t>0)Initial pressure with uncertainty</a:t>
             </a:r>
           </a:p>
+          <a:p>
+            <a:pPr algn="ctr"/>
+            <a:r>
+              <a:rPr lang="en-US" sz="1200" dirty="0">
+                <a:solidFill>
+                  <a:schemeClr val="tx1"/>
+                </a:solidFill>
+              </a:rPr>
+              <a:t>-</a:t>
+            </a:r>
+            <a:r>
+              <a:rPr lang="en-US" sz="1200" dirty="0">
+                <a:solidFill>
+                  <a:srgbClr val="7030A0"/>
+                </a:solidFill>
+              </a:rPr>
+              <a:t>write #m10</a:t>
+            </a:r>
+          </a:p>
         </p:txBody>
       </p:sp>
       <p:sp>
@@ -3740,8 +3763,8 @@
         </p:nvSpPr>
         <p:spPr>
           <a:xfrm>
-            <a:off x="4931908" y="3145384"/>
-            <a:ext cx="914400" cy="914400"/>
+            <a:off x="4931907" y="3233062"/>
+            <a:ext cx="921885" cy="919201"/>
           </a:xfrm>
           <a:prstGeom prst="rect">
             <a:avLst/>
@@ -3775,7 +3798,7 @@
           <a:p>
             <a:pPr algn="ctr"/>
             <a:r>
-              <a:rPr lang="en-US" sz="1400" dirty="0">
+              <a:rPr lang="en-US" sz="1200" dirty="0">
                 <a:solidFill>
                   <a:schemeClr val="tx1"/>
                 </a:solidFill>
@@ -3783,6 +3806,17 @@
               <a:t>0&amp;4)Updated pressure</a:t>
             </a:r>
           </a:p>
+          <a:p>
+            <a:pPr algn="ctr"/>
+            <a:r>
+              <a:rPr lang="en-US" sz="1200" dirty="0">
+                <a:solidFill>
+                  <a:srgbClr val="7030A0"/>
+                </a:solidFill>
+              </a:rPr>
+              <a:t>-write into #m10</a:t>
+            </a:r>
+          </a:p>
         </p:txBody>
       </p:sp>
       <p:sp>
@@ -3799,7 +3833,7 @@
         </p:nvSpPr>
         <p:spPr>
           <a:xfrm>
-            <a:off x="7511730" y="3145384"/>
+            <a:off x="7536222" y="2622875"/>
             <a:ext cx="1362075" cy="1038225"/>
           </a:xfrm>
           <a:prstGeom prst="ellipse">
@@ -3845,7 +3879,7 @@
                 <a:effectLst/>
                 <a:ea typeface="Times New Roman" panose="02020603050405020304" pitchFamily="18" charset="0"/>
               </a:rPr>
-              <a:t> Evaluate Pressure</a:t>
+              <a:t>6) Evaluate Pressure</a:t>
             </a:r>
             <a:endParaRPr lang="en-US" sz="1200" dirty="0">
               <a:effectLst/>
@@ -3872,57 +3906,7 @@
               </a:rPr>
               <a:t>&amp; comparison</a:t>
             </a:r>
-            <a:endParaRPr lang="en-US" sz="1200" dirty="0">
-              <a:effectLst/>
-              <a:latin typeface="Times New Roman" panose="02020603050405020304" pitchFamily="18" charset="0"/>
-              <a:ea typeface="Times New Roman" panose="02020603050405020304" pitchFamily="18" charset="0"/>
-            </a:endParaRPr>
-          </a:p>
-        </p:txBody>
-      </p:sp>
-      <p:sp>
-        <p:nvSpPr>
-          <p:cNvPr id="13" name="Oval 12">
-            <a:extLst>
-              <a:ext uri="{FF2B5EF4-FFF2-40B4-BE49-F238E27FC236}">
-                <a16:creationId xmlns:a16="http://schemas.microsoft.com/office/drawing/2014/main" id="{36EEC1F0-F701-4D77-A20F-5CBE4500D990}"/>
-              </a:ext>
-            </a:extLst>
-          </p:cNvPr>
-          <p:cNvSpPr/>
-          <p:nvPr/>
-        </p:nvSpPr>
-        <p:spPr>
-          <a:xfrm>
-            <a:off x="6287270" y="4013566"/>
-            <a:ext cx="1362075" cy="1038225"/>
-          </a:xfrm>
-          <a:prstGeom prst="ellipse">
-            <a:avLst/>
-          </a:prstGeom>
-          <a:solidFill>
-            <a:schemeClr val="bg1"/>
-          </a:solidFill>
-        </p:spPr>
-        <p:style>
-          <a:lnRef idx="2">
-            <a:schemeClr val="accent1">
-              <a:shade val="50000"/>
-            </a:schemeClr>
-          </a:lnRef>
-          <a:fillRef idx="1">
-            <a:schemeClr val="accent1"/>
-          </a:fillRef>
-          <a:effectRef idx="0">
-            <a:schemeClr val="accent1"/>
-          </a:effectRef>
-          <a:fontRef idx="minor">
-            <a:schemeClr val="lt1"/>
-          </a:fontRef>
-        </p:style>
-        <p:txBody>
-          <a:bodyPr rtlCol="0" anchor="ctr"/>
-          <a:lstStyle/>
+          </a:p>
           <a:p>
             <a:pPr marL="0" marR="0" algn="ctr">
               <a:spcBef>
@@ -3933,7 +3917,80 @@
               </a:spcAft>
             </a:pPr>
             <a:r>
-              <a:rPr lang="nb-NO" sz="1100">
+              <a:rPr lang="en-US" sz="1000" dirty="0">
+                <a:solidFill>
+                  <a:srgbClr val="7030A0"/>
+                </a:solidFill>
+                <a:latin typeface="Times New Roman" panose="02020603050405020304" pitchFamily="18" charset="0"/>
+                <a:ea typeface="Times New Roman" panose="02020603050405020304" pitchFamily="18" charset="0"/>
+              </a:rPr>
+              <a:t>-write into #m20</a:t>
+            </a:r>
+            <a:endParaRPr lang="en-US" sz="1200" dirty="0">
+              <a:solidFill>
+                <a:srgbClr val="7030A0"/>
+              </a:solidFill>
+              <a:effectLst/>
+              <a:latin typeface="Times New Roman" panose="02020603050405020304" pitchFamily="18" charset="0"/>
+              <a:ea typeface="Times New Roman" panose="02020603050405020304" pitchFamily="18" charset="0"/>
+            </a:endParaRPr>
+          </a:p>
+        </p:txBody>
+      </p:sp>
+      <p:sp>
+        <p:nvSpPr>
+          <p:cNvPr id="13" name="Oval 12">
+            <a:extLst>
+              <a:ext uri="{FF2B5EF4-FFF2-40B4-BE49-F238E27FC236}">
+                <a16:creationId xmlns:a16="http://schemas.microsoft.com/office/drawing/2014/main" id="{36EEC1F0-F701-4D77-A20F-5CBE4500D990}"/>
+              </a:ext>
+            </a:extLst>
+          </p:cNvPr>
+          <p:cNvSpPr/>
+          <p:nvPr/>
+        </p:nvSpPr>
+        <p:spPr>
+          <a:xfrm>
+            <a:off x="6295434" y="3491057"/>
+            <a:ext cx="1362075" cy="1038225"/>
+          </a:xfrm>
+          <a:prstGeom prst="ellipse">
+            <a:avLst/>
+          </a:prstGeom>
+          <a:solidFill>
+            <a:schemeClr val="bg1"/>
+          </a:solidFill>
+        </p:spPr>
+        <p:style>
+          <a:lnRef idx="2">
+            <a:schemeClr val="accent1">
+              <a:shade val="50000"/>
+            </a:schemeClr>
+          </a:lnRef>
+          <a:fillRef idx="1">
+            <a:schemeClr val="accent1"/>
+          </a:fillRef>
+          <a:effectRef idx="0">
+            <a:schemeClr val="accent1"/>
+          </a:effectRef>
+          <a:fontRef idx="minor">
+            <a:schemeClr val="lt1"/>
+          </a:fontRef>
+        </p:style>
+        <p:txBody>
+          <a:bodyPr rtlCol="0" anchor="ctr"/>
+          <a:lstStyle/>
+          <a:p>
+            <a:pPr marL="0" marR="0" algn="ctr">
+              <a:spcBef>
+                <a:spcPts val="0"/>
+              </a:spcBef>
+              <a:spcAft>
+                <a:spcPts val="0"/>
+              </a:spcAft>
+            </a:pPr>
+            <a:r>
+              <a:rPr lang="nb-NO" sz="1100" dirty="0">
                 <a:solidFill>
                   <a:srgbClr val="000000"/>
                 </a:solidFill>
@@ -3941,9 +3998,99 @@
                 <a:ea typeface="Times New Roman" panose="02020603050405020304" pitchFamily="18" charset="0"/>
                 <a:cs typeface="Times New Roman" panose="02020603050405020304" pitchFamily="18" charset="0"/>
               </a:rPr>
-              <a:t>Go to emergency flowrate </a:t>
-            </a:r>
-            <a:endParaRPr lang="en-US" sz="1200">
+              <a:t>5)Go to </a:t>
+            </a:r>
+            <a:r>
+              <a:rPr lang="nb-NO" sz="1100" dirty="0" err="1">
+                <a:solidFill>
+                  <a:srgbClr val="000000"/>
+                </a:solidFill>
+                <a:effectLst/>
+                <a:ea typeface="Times New Roman" panose="02020603050405020304" pitchFamily="18" charset="0"/>
+                <a:cs typeface="Times New Roman" panose="02020603050405020304" pitchFamily="18" charset="0"/>
+              </a:rPr>
+              <a:t>emergency</a:t>
+            </a:r>
+            <a:r>
+              <a:rPr lang="nb-NO" sz="1100" dirty="0">
+                <a:solidFill>
+                  <a:srgbClr val="000000"/>
+                </a:solidFill>
+                <a:effectLst/>
+                <a:ea typeface="Times New Roman" panose="02020603050405020304" pitchFamily="18" charset="0"/>
+                <a:cs typeface="Times New Roman" panose="02020603050405020304" pitchFamily="18" charset="0"/>
+              </a:rPr>
+              <a:t> </a:t>
+            </a:r>
+            <a:r>
+              <a:rPr lang="nb-NO" sz="1100" dirty="0" err="1">
+                <a:solidFill>
+                  <a:srgbClr val="000000"/>
+                </a:solidFill>
+                <a:effectLst/>
+                <a:ea typeface="Times New Roman" panose="02020603050405020304" pitchFamily="18" charset="0"/>
+                <a:cs typeface="Times New Roman" panose="02020603050405020304" pitchFamily="18" charset="0"/>
+              </a:rPr>
+              <a:t>flowrate</a:t>
+            </a:r>
+            <a:r>
+              <a:rPr lang="nb-NO" sz="1100" dirty="0">
+                <a:solidFill>
+                  <a:srgbClr val="000000"/>
+                </a:solidFill>
+                <a:effectLst/>
+                <a:ea typeface="Times New Roman" panose="02020603050405020304" pitchFamily="18" charset="0"/>
+                <a:cs typeface="Times New Roman" panose="02020603050405020304" pitchFamily="18" charset="0"/>
+              </a:rPr>
+              <a:t> </a:t>
+            </a:r>
+          </a:p>
+          <a:p>
+            <a:pPr marL="0" marR="0" algn="ctr">
+              <a:spcBef>
+                <a:spcPts val="0"/>
+              </a:spcBef>
+              <a:spcAft>
+                <a:spcPts val="0"/>
+              </a:spcAft>
+            </a:pPr>
+            <a:r>
+              <a:rPr lang="nb-NO" sz="1100" dirty="0">
+                <a:solidFill>
+                  <a:srgbClr val="7030A0"/>
+                </a:solidFill>
+                <a:latin typeface="Times New Roman" panose="02020603050405020304" pitchFamily="18" charset="0"/>
+                <a:ea typeface="Times New Roman" panose="02020603050405020304" pitchFamily="18" charset="0"/>
+                <a:cs typeface="Times New Roman" panose="02020603050405020304" pitchFamily="18" charset="0"/>
+              </a:rPr>
+              <a:t>-</a:t>
+            </a:r>
+            <a:r>
+              <a:rPr lang="nb-NO" sz="1100" dirty="0" err="1">
+                <a:solidFill>
+                  <a:srgbClr val="7030A0"/>
+                </a:solidFill>
+                <a:latin typeface="Times New Roman" panose="02020603050405020304" pitchFamily="18" charset="0"/>
+                <a:ea typeface="Times New Roman" panose="02020603050405020304" pitchFamily="18" charset="0"/>
+                <a:cs typeface="Times New Roman" panose="02020603050405020304" pitchFamily="18" charset="0"/>
+              </a:rPr>
+              <a:t>read</a:t>
+            </a:r>
+            <a:r>
+              <a:rPr lang="nb-NO" sz="1100" dirty="0">
+                <a:solidFill>
+                  <a:srgbClr val="7030A0"/>
+                </a:solidFill>
+                <a:latin typeface="Times New Roman" panose="02020603050405020304" pitchFamily="18" charset="0"/>
+                <a:ea typeface="Times New Roman" panose="02020603050405020304" pitchFamily="18" charset="0"/>
+                <a:cs typeface="Times New Roman" panose="02020603050405020304" pitchFamily="18" charset="0"/>
+              </a:rPr>
+              <a:t> #m10</a:t>
+            </a:r>
+            <a:endParaRPr lang="en-US" sz="1200" dirty="0">
+              <a:solidFill>
+                <a:srgbClr val="7030A0"/>
+              </a:solidFill>
               <a:effectLst/>
               <a:latin typeface="Times New Roman" panose="02020603050405020304" pitchFamily="18" charset="0"/>
               <a:ea typeface="Times New Roman" panose="02020603050405020304" pitchFamily="18" charset="0"/>
@@ -3965,7 +4112,7 @@
         </p:nvSpPr>
         <p:spPr>
           <a:xfrm>
-            <a:off x="9083355" y="4490087"/>
+            <a:off x="9091519" y="3967578"/>
             <a:ext cx="1371600" cy="1038225"/>
           </a:xfrm>
           <a:prstGeom prst="ellipse">
@@ -4004,7 +4151,7 @@
               </a:spcAft>
             </a:pPr>
             <a:r>
-              <a:rPr lang="en-US" sz="1100">
+              <a:rPr lang="en-US" sz="1100" dirty="0">
                 <a:solidFill>
                   <a:srgbClr val="000000"/>
                 </a:solidFill>
@@ -4012,9 +4159,9 @@
                 <a:ea typeface="Times New Roman" panose="02020603050405020304" pitchFamily="18" charset="0"/>
                 <a:cs typeface="Times New Roman" panose="02020603050405020304" pitchFamily="18" charset="0"/>
               </a:rPr>
-              <a:t>Stop pump </a:t>
-            </a:r>
-            <a:endParaRPr lang="en-US" sz="1200">
+              <a:t>7b) Stop pump </a:t>
+            </a:r>
+            <a:endParaRPr lang="en-US" sz="1200" dirty="0">
               <a:effectLst/>
               <a:latin typeface="Times New Roman" panose="02020603050405020304" pitchFamily="18" charset="0"/>
               <a:ea typeface="Times New Roman" panose="02020603050405020304" pitchFamily="18" charset="0"/>
@@ -4036,7 +4183,7 @@
         </p:nvSpPr>
         <p:spPr>
           <a:xfrm>
-            <a:off x="9540555" y="2842262"/>
+            <a:off x="9548719" y="2319753"/>
             <a:ext cx="1362075" cy="1038225"/>
           </a:xfrm>
           <a:prstGeom prst="ellipse">
@@ -4075,7 +4222,7 @@
               </a:spcAft>
             </a:pPr>
             <a:r>
-              <a:rPr lang="en-US" sz="1100">
+              <a:rPr lang="en-US" sz="1100" dirty="0">
                 <a:solidFill>
                   <a:srgbClr val="000000"/>
                 </a:solidFill>
@@ -4083,9 +4230,9 @@
                 <a:ea typeface="Times New Roman" panose="02020603050405020304" pitchFamily="18" charset="0"/>
                 <a:cs typeface="Times New Roman" panose="02020603050405020304" pitchFamily="18" charset="0"/>
               </a:rPr>
-              <a:t>Go to safe flowrate</a:t>
-            </a:r>
-            <a:endParaRPr lang="en-US" sz="1200">
+              <a:t>7a) Go to safe flowrate</a:t>
+            </a:r>
+            <a:endParaRPr lang="en-US" sz="1200" dirty="0">
               <a:effectLst/>
               <a:latin typeface="Times New Roman" panose="02020603050405020304" pitchFamily="18" charset="0"/>
               <a:ea typeface="Times New Roman" panose="02020603050405020304" pitchFamily="18" charset="0"/>
@@ -4107,7 +4254,7 @@
         </p:nvCxnSpPr>
         <p:spPr>
           <a:xfrm flipH="1" flipV="1">
-            <a:off x="10273980" y="2766062"/>
+            <a:off x="10282144" y="2243553"/>
             <a:ext cx="676275" cy="523875"/>
           </a:xfrm>
           <a:prstGeom prst="curvedConnector4">
@@ -4149,7 +4296,7 @@
         </p:nvCxnSpPr>
         <p:spPr>
           <a:xfrm rot="16200000" flipH="1">
-            <a:off x="8948418" y="3475674"/>
+            <a:off x="8956582" y="2953165"/>
             <a:ext cx="330200" cy="1825625"/>
           </a:xfrm>
           <a:prstGeom prst="curvedConnector3">
@@ -4190,7 +4337,7 @@
         </p:nvCxnSpPr>
         <p:spPr>
           <a:xfrm rot="5400000" flipH="1" flipV="1">
-            <a:off x="9053510" y="2807337"/>
+            <a:off x="9061674" y="2284828"/>
             <a:ext cx="118110" cy="836930"/>
           </a:xfrm>
           <a:prstGeom prst="curvedConnector2">
@@ -4232,7 +4379,7 @@
         </p:nvCxnSpPr>
         <p:spPr>
           <a:xfrm flipV="1">
-            <a:off x="7198767" y="4183609"/>
+            <a:off x="7223259" y="3661100"/>
             <a:ext cx="994001" cy="849268"/>
           </a:xfrm>
           <a:prstGeom prst="curvedConnector2">
@@ -4271,8 +4418,8 @@
         </p:nvSpPr>
         <p:spPr>
           <a:xfrm>
-            <a:off x="6362698" y="953184"/>
-            <a:ext cx="5627914" cy="3974806"/>
+            <a:off x="6198641" y="514355"/>
+            <a:ext cx="5791971" cy="4784272"/>
           </a:xfrm>
           <a:prstGeom prst="rect">
             <a:avLst/>
@@ -4315,17 +4462,21 @@
           </p:cNvPr>
           <p:cNvCxnSpPr>
             <a:cxnSpLocks/>
+            <a:stCxn id="11" idx="2"/>
             <a:endCxn id="13" idx="2"/>
           </p:cNvCxnSpPr>
           <p:nvPr/>
         </p:nvCxnSpPr>
         <p:spPr>
-          <a:xfrm>
-            <a:off x="5649684" y="4072256"/>
-            <a:ext cx="637586" cy="460423"/>
-          </a:xfrm>
-          <a:prstGeom prst="curvedConnector3">
-            <a:avLst/>
+          <a:xfrm rot="5400000" flipH="1" flipV="1">
+            <a:off x="5773095" y="3629925"/>
+            <a:ext cx="142093" cy="902584"/>
+          </a:xfrm>
+          <a:prstGeom prst="curvedConnector4">
+            <a:avLst>
+              <a:gd name="adj1" fmla="val -160881"/>
+              <a:gd name="adj2" fmla="val 75535"/>
+            </a:avLst>
           </a:prstGeom>
           <a:ln>
             <a:tailEnd type="triangle"/>
@@ -4360,7 +4511,7 @@
         </p:nvSpPr>
         <p:spPr>
           <a:xfrm>
-            <a:off x="1848617" y="2624050"/>
+            <a:off x="1848617" y="2722024"/>
             <a:ext cx="1343615" cy="914400"/>
           </a:xfrm>
           <a:prstGeom prst="rect">
@@ -4395,12 +4546,23 @@
           <a:p>
             <a:pPr algn="ctr"/>
             <a:r>
-              <a:rPr lang="en-US" sz="1400" dirty="0">
+              <a:rPr lang="en-US" sz="1200" dirty="0">
                 <a:solidFill>
                   <a:schemeClr val="tx1"/>
                 </a:solidFill>
               </a:rPr>
               <a:t>3)Reduce misfit by using Kalman Filter algorithm</a:t>
+            </a:r>
+          </a:p>
+          <a:p>
+            <a:pPr algn="ctr"/>
+            <a:r>
+              <a:rPr lang="en-US" sz="1200" dirty="0">
+                <a:solidFill>
+                  <a:srgbClr val="7030A0"/>
+                </a:solidFill>
+              </a:rPr>
+              <a:t>-Read #m6&amp;m5</a:t>
             </a:r>
           </a:p>
         </p:txBody>
@@ -4421,7 +4583,7 @@
         </p:nvCxnSpPr>
         <p:spPr>
           <a:xfrm>
-            <a:off x="3229745" y="3081250"/>
+            <a:off x="3229745" y="3179224"/>
             <a:ext cx="1692638" cy="515839"/>
           </a:xfrm>
           <a:prstGeom prst="curvedConnector3">
@@ -4463,8 +4625,8 @@
         </p:nvCxnSpPr>
         <p:spPr>
           <a:xfrm rot="10800000" flipV="1">
-            <a:off x="3948389" y="3880486"/>
-            <a:ext cx="962814" cy="549564"/>
+            <a:off x="3658383" y="3978460"/>
+            <a:ext cx="1252820" cy="549564"/>
           </a:xfrm>
           <a:prstGeom prst="curvedConnector3">
             <a:avLst/>
@@ -4504,9 +4666,9 @@
           <p:nvPr/>
         </p:nvCxnSpPr>
         <p:spPr>
-          <a:xfrm flipH="1" flipV="1">
-            <a:off x="2919902" y="3592304"/>
-            <a:ext cx="145002" cy="380546"/>
+          <a:xfrm flipV="1">
+            <a:off x="2919901" y="3661100"/>
+            <a:ext cx="0" cy="409724"/>
           </a:xfrm>
           <a:prstGeom prst="straightConnector1">
             <a:avLst/>
@@ -4546,7 +4708,7 @@
         </p:nvCxnSpPr>
         <p:spPr>
           <a:xfrm>
-            <a:off x="2562993" y="2169449"/>
+            <a:off x="2562993" y="2267423"/>
             <a:ext cx="1" cy="475606"/>
           </a:xfrm>
           <a:prstGeom prst="straightConnector1">
@@ -4585,8 +4747,8 @@
         </p:nvSpPr>
         <p:spPr>
           <a:xfrm>
-            <a:off x="1637039" y="933023"/>
-            <a:ext cx="4363244" cy="4296454"/>
+            <a:off x="1445811" y="514355"/>
+            <a:ext cx="4554472" cy="4813096"/>
           </a:xfrm>
           <a:prstGeom prst="rect">
             <a:avLst/>
@@ -4596,7 +4758,7 @@
             <a:solidFill>
               <a:schemeClr val="tx1"/>
             </a:solidFill>
-            <a:prstDash val="sysDot"/>
+            <a:prstDash val="solid"/>
           </a:ln>
         </p:spPr>
         <p:style>
@@ -4633,13 +4795,16 @@
               </a:ext>
             </a:extLst>
           </p:cNvPr>
-          <p:cNvCxnSpPr/>
+          <p:cNvCxnSpPr>
+            <a:cxnSpLocks/>
+            <a:endCxn id="11" idx="0"/>
+          </p:cNvCxnSpPr>
           <p:nvPr/>
         </p:nvCxnSpPr>
         <p:spPr>
           <a:xfrm>
-            <a:off x="5274716" y="2890160"/>
-            <a:ext cx="0" cy="255224"/>
+            <a:off x="5392849" y="2644238"/>
+            <a:ext cx="1" cy="588824"/>
           </a:xfrm>
           <a:prstGeom prst="straightConnector1">
             <a:avLst/>
@@ -4677,8 +4842,8 @@
         </p:nvSpPr>
         <p:spPr>
           <a:xfrm>
-            <a:off x="6474276" y="1085853"/>
-            <a:ext cx="3135085" cy="612321"/>
+            <a:off x="6297669" y="613662"/>
+            <a:ext cx="3980679" cy="612321"/>
           </a:xfrm>
           <a:prstGeom prst="rect">
             <a:avLst/>
@@ -4710,6 +4875,13 @@
               <a:t>Task 3: making decision</a:t>
             </a:r>
           </a:p>
+          <a:p>
+            <a:pPr algn="ctr"/>
+            <a:r>
+              <a:rPr lang="en-US" dirty="0"/>
+              <a:t>Read into #m10 &amp; write into #m20</a:t>
+            </a:r>
+          </a:p>
         </p:txBody>
       </p:sp>
       <p:sp>
@@ -4726,8 +4898,8 @@
         </p:nvSpPr>
         <p:spPr>
           <a:xfrm>
-            <a:off x="1725769" y="1061361"/>
-            <a:ext cx="3401400" cy="215390"/>
+            <a:off x="1472919" y="611658"/>
+            <a:ext cx="4120539" cy="493837"/>
           </a:xfrm>
           <a:prstGeom prst="rect">
             <a:avLst/>
@@ -4756,7 +4928,7 @@
             <a:pPr algn="ctr"/>
             <a:r>
               <a:rPr lang="en-US" dirty="0"/>
-              <a:t>Task 1&amp;2: updating pressure</a:t>
+              <a:t>Task 1: updating pressure, write into #m10</a:t>
             </a:r>
           </a:p>
         </p:txBody>
@@ -4775,8 +4947,8 @@
         </p:nvSpPr>
         <p:spPr>
           <a:xfrm>
-            <a:off x="666659" y="4736867"/>
-            <a:ext cx="1940760" cy="845411"/>
+            <a:off x="389700" y="4904745"/>
+            <a:ext cx="1973416" cy="845411"/>
           </a:xfrm>
           <a:prstGeom prst="rect">
             <a:avLst/>
@@ -4812,8 +4984,16 @@
           <a:lstStyle/>
           <a:p>
             <a:pPr algn="ctr"/>
-            <a:r>
-              <a:rPr lang="en-US" sz="1400" dirty="0">
+            <a:endParaRPr lang="en-US" sz="1200" dirty="0">
+              <a:solidFill>
+                <a:schemeClr val="tx1"/>
+              </a:solidFill>
+            </a:endParaRPr>
+          </a:p>
+          <a:p>
+            <a:pPr algn="ctr"/>
+            <a:r>
+              <a:rPr lang="en-US" sz="1200" dirty="0">
                 <a:solidFill>
                   <a:schemeClr val="tx1"/>
                 </a:solidFill>
@@ -4821,13 +5001,40 @@
               <a:t>Event: 1)Calculated flow rate(algorithm transient) by </a:t>
             </a:r>
             <a:r>
-              <a:rPr lang="en-US" sz="1400" b="1" u="sng" dirty="0">
+              <a:rPr lang="en-US" sz="1200" b="1" u="sng" dirty="0">
                 <a:solidFill>
                   <a:schemeClr val="tx1"/>
                 </a:solidFill>
               </a:rPr>
               <a:t>task 2</a:t>
             </a:r>
+          </a:p>
+          <a:p>
+            <a:pPr algn="ctr"/>
+            <a:r>
+              <a:rPr lang="en-US" sz="1200" dirty="0">
+                <a:solidFill>
+                  <a:schemeClr val="tx1"/>
+                </a:solidFill>
+              </a:rPr>
+              <a:t>-</a:t>
+            </a:r>
+            <a:r>
+              <a:rPr lang="en-US" sz="1200" dirty="0">
+                <a:solidFill>
+                  <a:srgbClr val="7030A0"/>
+                </a:solidFill>
+              </a:rPr>
+              <a:t>write into #m6 </a:t>
+            </a:r>
+          </a:p>
+          <a:p>
+            <a:pPr algn="ctr"/>
+            <a:endParaRPr lang="en-US" sz="1400" b="1" u="sng" dirty="0">
+              <a:solidFill>
+                <a:schemeClr val="tx1"/>
+              </a:solidFill>
+            </a:endParaRPr>
           </a:p>
         </p:txBody>
       </p:sp>
@@ -4848,8 +5055,8 @@
         </p:nvCxnSpPr>
         <p:spPr>
           <a:xfrm flipH="1">
-            <a:off x="755560" y="1774147"/>
-            <a:ext cx="1093058" cy="346939"/>
+            <a:off x="755560" y="1909432"/>
+            <a:ext cx="1093058" cy="309628"/>
           </a:xfrm>
           <a:prstGeom prst="straightConnector1">
             <a:avLst/>
@@ -4887,12 +5094,18 @@
         </p:nvSpPr>
         <p:spPr>
           <a:xfrm>
-            <a:off x="38201" y="2121086"/>
-            <a:ext cx="1434718" cy="776662"/>
+            <a:off x="38200" y="2219060"/>
+            <a:ext cx="1492593" cy="776662"/>
           </a:xfrm>
           <a:prstGeom prst="flowChartDecision">
             <a:avLst/>
           </a:prstGeom>
+          <a:solidFill>
+            <a:schemeClr val="accent3">
+              <a:lumMod val="60000"/>
+              <a:lumOff val="40000"/>
+            </a:schemeClr>
+          </a:solidFill>
         </p:spPr>
         <p:style>
           <a:lnRef idx="2">
@@ -4916,12 +5129,12 @@
           <a:p>
             <a:pPr algn="ctr"/>
             <a:r>
-              <a:rPr lang="en-US" sz="1400" dirty="0">
+              <a:rPr lang="en-US" sz="1100" dirty="0">
                 <a:solidFill>
                   <a:schemeClr val="tx1"/>
                 </a:solidFill>
               </a:rPr>
-              <a:t>If ST or event</a:t>
+              <a:t>If ST or TR(event)</a:t>
             </a:r>
           </a:p>
         </p:txBody>
@@ -4943,8 +5156,8 @@
         </p:nvCxnSpPr>
         <p:spPr>
           <a:xfrm>
-            <a:off x="755560" y="2897748"/>
-            <a:ext cx="130243" cy="1839119"/>
+            <a:off x="784497" y="2995722"/>
+            <a:ext cx="61569" cy="1909023"/>
           </a:xfrm>
           <a:prstGeom prst="straightConnector1">
             <a:avLst/>
@@ -4979,13 +5192,15 @@
           </p:cNvPr>
           <p:cNvCxnSpPr>
             <a:cxnSpLocks/>
+            <a:stCxn id="57" idx="2"/>
+            <a:endCxn id="7" idx="1"/>
           </p:cNvCxnSpPr>
           <p:nvPr/>
         </p:nvCxnSpPr>
         <p:spPr>
           <a:xfrm>
-            <a:off x="1449171" y="2517097"/>
-            <a:ext cx="740217" cy="1785370"/>
+            <a:off x="784497" y="2995722"/>
+            <a:ext cx="1396921" cy="1532302"/>
           </a:xfrm>
           <a:prstGeom prst="straightConnector1">
             <a:avLst/>
@@ -5023,7 +5238,7 @@
         </p:nvSpPr>
         <p:spPr>
           <a:xfrm>
-            <a:off x="315725" y="3087656"/>
+            <a:off x="20514" y="3491057"/>
             <a:ext cx="1060683" cy="503026"/>
           </a:xfrm>
           <a:prstGeom prst="rect">
@@ -5080,7 +5295,7 @@
         </p:nvSpPr>
         <p:spPr>
           <a:xfrm>
-            <a:off x="1148425" y="2439609"/>
+            <a:off x="1439105" y="3474061"/>
             <a:ext cx="624596" cy="1030893"/>
           </a:xfrm>
           <a:prstGeom prst="rect">
@@ -5118,17 +5333,17 @@
                   <a:schemeClr val="tx1"/>
                 </a:solidFill>
               </a:rPr>
-              <a:t>Steady state condition</a:t>
-            </a:r>
-          </a:p>
-        </p:txBody>
-      </p:sp>
-      <p:sp>
-        <p:nvSpPr>
-          <p:cNvPr id="3" name="TextBox 2">
-            <a:extLst>
-              <a:ext uri="{FF2B5EF4-FFF2-40B4-BE49-F238E27FC236}">
-                <a16:creationId xmlns:a16="http://schemas.microsoft.com/office/drawing/2014/main" id="{C78E7074-1879-469D-A562-DD6C3E62AA04}"/>
+              <a:t>Steady state</a:t>
+            </a:r>
+          </a:p>
+        </p:txBody>
+      </p:sp>
+      <p:sp>
+        <p:nvSpPr>
+          <p:cNvPr id="35" name="TextBox 34">
+            <a:extLst>
+              <a:ext uri="{FF2B5EF4-FFF2-40B4-BE49-F238E27FC236}">
+                <a16:creationId xmlns:a16="http://schemas.microsoft.com/office/drawing/2014/main" id="{06E9260C-18F0-4166-9182-D6E77AE7B1E1}"/>
               </a:ext>
             </a:extLst>
           </p:cNvPr>
@@ -5137,7 +5352,7 @@
         </p:nvSpPr>
         <p:spPr>
           <a:xfrm>
-            <a:off x="2919902" y="5256774"/>
+            <a:off x="2660099" y="5350204"/>
             <a:ext cx="3249386" cy="923330"/>
           </a:xfrm>
           <a:prstGeom prst="rect">
@@ -5157,13 +5372,8 @@
             </a:pPr>
             <a:r>
               <a:rPr lang="en-US" dirty="0"/>
-              <a:t>Difference between task 1 and 2 is shown in the dark and light </a:t>
-            </a:r>
-            <a:r>
-              <a:rPr lang="en-US"/>
-              <a:t>yellow boxes</a:t>
-            </a:r>
-            <a:endParaRPr lang="en-US" dirty="0"/>
+              <a:t>Difference between task 1 and 2 is shown in the dark and light yellow boxes</a:t>
+            </a:r>
           </a:p>
         </p:txBody>
       </p:sp>

--- a/ExampleinOilIndustry/WorkFlow.pptx
+++ b/ExampleinOilIndustry/WorkFlow.pptx
@@ -4928,7 +4928,7 @@
             <a:pPr algn="ctr"/>
             <a:r>
               <a:rPr lang="en-US" dirty="0"/>
-              <a:t>Task 1: updating pressure, write into #m10</a:t>
+              <a:t>Task 1&amp;2: updating pressure, write into #m10</a:t>
             </a:r>
           </a:p>
         </p:txBody>
@@ -5050,13 +5050,14 @@
           <p:cNvCxnSpPr>
             <a:cxnSpLocks/>
             <a:stCxn id="4" idx="1"/>
+            <a:endCxn id="57" idx="0"/>
           </p:cNvCxnSpPr>
           <p:nvPr/>
         </p:nvCxnSpPr>
         <p:spPr>
           <a:xfrm flipH="1">
-            <a:off x="755560" y="1909432"/>
-            <a:ext cx="1093058" cy="309628"/>
+            <a:off x="975386" y="1909432"/>
+            <a:ext cx="873232" cy="309628"/>
           </a:xfrm>
           <a:prstGeom prst="straightConnector1">
             <a:avLst/>
@@ -5095,7 +5096,7 @@
         <p:spPr>
           <a:xfrm>
             <a:off x="38200" y="2219060"/>
-            <a:ext cx="1492593" cy="776662"/>
+            <a:ext cx="1874371" cy="776662"/>
           </a:xfrm>
           <a:prstGeom prst="flowChartDecision">
             <a:avLst/>
@@ -5134,7 +5135,7 @@
                   <a:schemeClr val="tx1"/>
                 </a:solidFill>
               </a:rPr>
-              <a:t>If ST or TR(event)</a:t>
+              <a:t>If ST(normal) or TR(event)</a:t>
             </a:r>
           </a:p>
         </p:txBody>
@@ -5155,9 +5156,9 @@
           <p:nvPr/>
         </p:nvCxnSpPr>
         <p:spPr>
-          <a:xfrm>
-            <a:off x="784497" y="2995722"/>
-            <a:ext cx="61569" cy="1909023"/>
+          <a:xfrm flipH="1">
+            <a:off x="846066" y="2995722"/>
+            <a:ext cx="129320" cy="1909023"/>
           </a:xfrm>
           <a:prstGeom prst="straightConnector1">
             <a:avLst/>
@@ -5199,8 +5200,8 @@
         </p:nvCxnSpPr>
         <p:spPr>
           <a:xfrm>
-            <a:off x="784497" y="2995722"/>
-            <a:ext cx="1396921" cy="1532302"/>
+            <a:off x="975386" y="2995722"/>
+            <a:ext cx="1206032" cy="1532302"/>
           </a:xfrm>
           <a:prstGeom prst="straightConnector1">
             <a:avLst/>
@@ -5372,7 +5373,7 @@
             </a:pPr>
             <a:r>
               <a:rPr lang="en-US" dirty="0"/>
-              <a:t>Difference between task 1 and 2 is shown in the dark and light yellow boxes</a:t>
+              <a:t>Differences between task 1 and 2 is shown in the dark and light yellow boxes</a:t>
             </a:r>
           </a:p>
         </p:txBody>
